--- a/Презентация_P2P.pptx
+++ b/Презентация_P2P.pptx
@@ -122,7 +122,7 @@
   </p:defaultTextStyle>
   <p:extLst>
     <p:ext uri="{EFAFB233-063F-42B5-8137-9DF3F51BA10A}">
-      <p15:sldGuideLst xmlns:p15="http://schemas.microsoft.com/office/powerpoint/2012/main" xmlns=""/>
+      <p15:sldGuideLst xmlns="" xmlns:p15="http://schemas.microsoft.com/office/powerpoint/2012/main"/>
     </p:ext>
   </p:extLst>
 </p:presentation>
@@ -259,7 +259,7 @@
           <a:p>
             <a:fld id="{BFC4D70D-EA67-48C9-90BC-2405D22E064F}" type="datetimeFigureOut">
               <a:rPr lang="ru-RU" smtClean="0"/>
-              <a:t>19.05.2023</a:t>
+              <a:t>21.05.2023</a:t>
             </a:fld>
             <a:endParaRPr lang="ru-RU"/>
           </a:p>
@@ -429,7 +429,7 @@
           <a:p>
             <a:fld id="{BFC4D70D-EA67-48C9-90BC-2405D22E064F}" type="datetimeFigureOut">
               <a:rPr lang="ru-RU" smtClean="0"/>
-              <a:t>19.05.2023</a:t>
+              <a:t>21.05.2023</a:t>
             </a:fld>
             <a:endParaRPr lang="ru-RU"/>
           </a:p>
@@ -609,7 +609,7 @@
           <a:p>
             <a:fld id="{BFC4D70D-EA67-48C9-90BC-2405D22E064F}" type="datetimeFigureOut">
               <a:rPr lang="ru-RU" smtClean="0"/>
-              <a:t>19.05.2023</a:t>
+              <a:t>21.05.2023</a:t>
             </a:fld>
             <a:endParaRPr lang="ru-RU"/>
           </a:p>
@@ -779,7 +779,7 @@
           <a:p>
             <a:fld id="{BFC4D70D-EA67-48C9-90BC-2405D22E064F}" type="datetimeFigureOut">
               <a:rPr lang="ru-RU" smtClean="0"/>
-              <a:t>19.05.2023</a:t>
+              <a:t>21.05.2023</a:t>
             </a:fld>
             <a:endParaRPr lang="ru-RU"/>
           </a:p>
@@ -1025,7 +1025,7 @@
           <a:p>
             <a:fld id="{BFC4D70D-EA67-48C9-90BC-2405D22E064F}" type="datetimeFigureOut">
               <a:rPr lang="ru-RU" smtClean="0"/>
-              <a:t>19.05.2023</a:t>
+              <a:t>21.05.2023</a:t>
             </a:fld>
             <a:endParaRPr lang="ru-RU"/>
           </a:p>
@@ -1257,7 +1257,7 @@
           <a:p>
             <a:fld id="{BFC4D70D-EA67-48C9-90BC-2405D22E064F}" type="datetimeFigureOut">
               <a:rPr lang="ru-RU" smtClean="0"/>
-              <a:t>19.05.2023</a:t>
+              <a:t>21.05.2023</a:t>
             </a:fld>
             <a:endParaRPr lang="ru-RU"/>
           </a:p>
@@ -1624,7 +1624,7 @@
           <a:p>
             <a:fld id="{BFC4D70D-EA67-48C9-90BC-2405D22E064F}" type="datetimeFigureOut">
               <a:rPr lang="ru-RU" smtClean="0"/>
-              <a:t>19.05.2023</a:t>
+              <a:t>21.05.2023</a:t>
             </a:fld>
             <a:endParaRPr lang="ru-RU"/>
           </a:p>
@@ -1742,7 +1742,7 @@
           <a:p>
             <a:fld id="{BFC4D70D-EA67-48C9-90BC-2405D22E064F}" type="datetimeFigureOut">
               <a:rPr lang="ru-RU" smtClean="0"/>
-              <a:t>19.05.2023</a:t>
+              <a:t>21.05.2023</a:t>
             </a:fld>
             <a:endParaRPr lang="ru-RU"/>
           </a:p>
@@ -1837,7 +1837,7 @@
           <a:p>
             <a:fld id="{BFC4D70D-EA67-48C9-90BC-2405D22E064F}" type="datetimeFigureOut">
               <a:rPr lang="ru-RU" smtClean="0"/>
-              <a:t>19.05.2023</a:t>
+              <a:t>21.05.2023</a:t>
             </a:fld>
             <a:endParaRPr lang="ru-RU"/>
           </a:p>
@@ -2114,7 +2114,7 @@
           <a:p>
             <a:fld id="{BFC4D70D-EA67-48C9-90BC-2405D22E064F}" type="datetimeFigureOut">
               <a:rPr lang="ru-RU" smtClean="0"/>
-              <a:t>19.05.2023</a:t>
+              <a:t>21.05.2023</a:t>
             </a:fld>
             <a:endParaRPr lang="ru-RU"/>
           </a:p>
@@ -2367,7 +2367,7 @@
           <a:p>
             <a:fld id="{BFC4D70D-EA67-48C9-90BC-2405D22E064F}" type="datetimeFigureOut">
               <a:rPr lang="ru-RU" smtClean="0"/>
-              <a:t>19.05.2023</a:t>
+              <a:t>21.05.2023</a:t>
             </a:fld>
             <a:endParaRPr lang="ru-RU"/>
           </a:p>
@@ -2580,7 +2580,7 @@
           <a:p>
             <a:fld id="{BFC4D70D-EA67-48C9-90BC-2405D22E064F}" type="datetimeFigureOut">
               <a:rPr lang="ru-RU" smtClean="0"/>
-              <a:t>19.05.2023</a:t>
+              <a:t>21.05.2023</a:t>
             </a:fld>
             <a:endParaRPr lang="ru-RU"/>
           </a:p>
@@ -3059,21 +3059,7 @@
                 <a:latin typeface="Times New Roman" panose="02020603050405020304" pitchFamily="18" charset="0"/>
                 <a:cs typeface="Times New Roman" panose="02020603050405020304" pitchFamily="18" charset="0"/>
               </a:rPr>
-              <a:t>Курсовую </a:t>
-            </a:r>
-            <a:r>
-              <a:rPr lang="ru-RU" sz="1600" dirty="0" smtClean="0">
-                <a:latin typeface="Times New Roman" panose="02020603050405020304" pitchFamily="18" charset="0"/>
-                <a:cs typeface="Times New Roman" panose="02020603050405020304" pitchFamily="18" charset="0"/>
-              </a:rPr>
-              <a:t>работу </a:t>
-            </a:r>
-            <a:r>
-              <a:rPr lang="ru-RU" sz="1600" dirty="0" smtClean="0">
-                <a:latin typeface="Times New Roman" panose="02020603050405020304" pitchFamily="18" charset="0"/>
-                <a:cs typeface="Times New Roman" panose="02020603050405020304" pitchFamily="18" charset="0"/>
-              </a:rPr>
-              <a:t>выполнил студент 4 курса 431 группы</a:t>
+              <a:t>Курсовую работу выполнил студент 4 курса 431 группы</a:t>
             </a:r>
           </a:p>
           <a:p>
@@ -3389,14 +3375,7 @@
                 <a:latin typeface="Times New Roman" panose="02020603050405020304" pitchFamily="18" charset="0"/>
                 <a:cs typeface="Times New Roman" panose="02020603050405020304" pitchFamily="18" charset="0"/>
               </a:rPr>
-              <a:t>Для </a:t>
-            </a:r>
-            <a:r>
-              <a:rPr lang="ru-RU" sz="2600" dirty="0" smtClean="0">
-                <a:latin typeface="Times New Roman" panose="02020603050405020304" pitchFamily="18" charset="0"/>
-                <a:cs typeface="Times New Roman" panose="02020603050405020304" pitchFamily="18" charset="0"/>
-              </a:rPr>
-              <a:t>идентификации </a:t>
+              <a:t>Для идентификации </a:t>
             </a:r>
             <a:r>
               <a:rPr lang="en-US" sz="2600" dirty="0" err="1" smtClean="0">
@@ -4308,10 +4287,6 @@
               </a:rPr>
               <a:t>.</a:t>
             </a:r>
-            <a:endParaRPr lang="ru-RU" sz="2600" dirty="0">
-              <a:latin typeface="Times New Roman" panose="02020603050405020304" pitchFamily="18" charset="0"/>
-              <a:cs typeface="Times New Roman" panose="02020603050405020304" pitchFamily="18" charset="0"/>
-            </a:endParaRPr>
           </a:p>
         </p:txBody>
       </p:sp>
@@ -5811,21 +5786,7 @@
                 <a:latin typeface="Times New Roman" panose="02020603050405020304" pitchFamily="18" charset="0"/>
                 <a:cs typeface="Times New Roman" panose="02020603050405020304" pitchFamily="18" charset="0"/>
               </a:rPr>
-              <a:t>программы. </a:t>
-            </a:r>
-            <a:r>
-              <a:rPr lang="ru-RU" dirty="0" smtClean="0">
-                <a:latin typeface="Times New Roman" panose="02020603050405020304" pitchFamily="18" charset="0"/>
-                <a:cs typeface="Times New Roman" panose="02020603050405020304" pitchFamily="18" charset="0"/>
-              </a:rPr>
-              <a:t>Пользователей </a:t>
-            </a:r>
-            <a:r>
-              <a:rPr lang="ru-RU" dirty="0" smtClean="0">
-                <a:latin typeface="Times New Roman" panose="02020603050405020304" pitchFamily="18" charset="0"/>
-                <a:cs typeface="Times New Roman" panose="02020603050405020304" pitchFamily="18" charset="0"/>
-              </a:rPr>
-              <a:t>таких сетей практически невозможно контролировать, поэтому необходимы способы обнаружения и идентификации </a:t>
+              <a:t>программы. Пользователей таких сетей практически невозможно контролировать, поэтому необходимы способы обнаружения и идентификации </a:t>
             </a:r>
             <a:r>
               <a:rPr lang="en-US" dirty="0" smtClean="0">
@@ -5880,14 +5841,7 @@
                 <a:latin typeface="Times New Roman" panose="02020603050405020304" pitchFamily="18" charset="0"/>
                 <a:cs typeface="Times New Roman" panose="02020603050405020304" pitchFamily="18" charset="0"/>
               </a:rPr>
-              <a:t>является </a:t>
-            </a:r>
-            <a:r>
-              <a:rPr lang="ru-RU" dirty="0" smtClean="0">
-                <a:latin typeface="Times New Roman" panose="02020603050405020304" pitchFamily="18" charset="0"/>
-                <a:cs typeface="Times New Roman" panose="02020603050405020304" pitchFamily="18" charset="0"/>
-              </a:rPr>
-              <a:t>изучение и обнаружение общих и частных, позволяющих идентифицировать конкретные протоколы, признаков </a:t>
+              <a:t>является изучение и обнаружение общих и частных, позволяющих идентифицировать конкретные протоколы, признаков </a:t>
             </a:r>
             <a:r>
               <a:rPr lang="en-US" dirty="0" smtClean="0">
@@ -5977,14 +5931,7 @@
                 <a:latin typeface="Times New Roman" panose="02020603050405020304" pitchFamily="18" charset="0"/>
                 <a:cs typeface="Times New Roman" panose="02020603050405020304" pitchFamily="18" charset="0"/>
               </a:rPr>
-              <a:t>Задачи </a:t>
-            </a:r>
-            <a:r>
-              <a:rPr lang="ru-RU" sz="2600" b="1" dirty="0" smtClean="0">
-                <a:latin typeface="Times New Roman" panose="02020603050405020304" pitchFamily="18" charset="0"/>
-                <a:cs typeface="Times New Roman" panose="02020603050405020304" pitchFamily="18" charset="0"/>
-              </a:rPr>
-              <a:t>исследования:</a:t>
+              <a:t>Задачи исследования:</a:t>
             </a:r>
           </a:p>
           <a:p>
@@ -6140,10 +6087,6 @@
               </a:rPr>
               <a:t>трафик.</a:t>
             </a:r>
-            <a:endParaRPr lang="ru-RU" sz="2600" dirty="0" smtClean="0">
-              <a:latin typeface="Times New Roman" panose="02020603050405020304" pitchFamily="18" charset="0"/>
-              <a:cs typeface="Times New Roman" panose="02020603050405020304" pitchFamily="18" charset="0"/>
-            </a:endParaRPr>
           </a:p>
         </p:txBody>
       </p:sp>
@@ -6890,10 +6833,6 @@
               </a:rPr>
               <a:t>.</a:t>
             </a:r>
-            <a:endParaRPr lang="ru-RU" sz="2600" dirty="0">
-              <a:latin typeface="Times New Roman" panose="02020603050405020304" pitchFamily="18" charset="0"/>
-              <a:cs typeface="Times New Roman" panose="02020603050405020304" pitchFamily="18" charset="0"/>
-            </a:endParaRPr>
           </a:p>
         </p:txBody>
       </p:sp>
@@ -6982,8 +6921,8 @@
           </a:p>
         </p:txBody>
       </p:sp>
-      <mc:AlternateContent xmlns:mc="http://schemas.openxmlformats.org/markup-compatibility/2006">
-        <mc:Choice xmlns:a14="http://schemas.microsoft.com/office/drawing/2010/main" Requires="a14">
+      <mc:AlternateContent xmlns:mc="http://schemas.openxmlformats.org/markup-compatibility/2006" xmlns:a14="http://schemas.microsoft.com/office/drawing/2010/main">
+        <mc:Choice Requires="a14">
           <p:sp>
             <p:nvSpPr>
               <p:cNvPr id="3" name="Объект 2"/>
@@ -7316,7 +7255,7 @@
             </p:txBody>
           </p:sp>
         </mc:Choice>
-        <mc:Fallback>
+        <mc:Fallback xmlns="">
           <p:sp>
             <p:nvSpPr>
               <p:cNvPr id="3" name="Объект 2"/>
@@ -7522,14 +7461,7 @@
                 <a:latin typeface="Times New Roman" panose="02020603050405020304" pitchFamily="18" charset="0"/>
                 <a:cs typeface="Times New Roman" panose="02020603050405020304" pitchFamily="18" charset="0"/>
               </a:rPr>
-              <a:t>Также и</a:t>
-            </a:r>
-            <a:r>
-              <a:rPr lang="ru-RU" sz="2600" dirty="0" smtClean="0">
-                <a:latin typeface="Times New Roman" panose="02020603050405020304" pitchFamily="18" charset="0"/>
-                <a:cs typeface="Times New Roman" panose="02020603050405020304" pitchFamily="18" charset="0"/>
-              </a:rPr>
-              <a:t>гры и вредоносные программы имеют уникальное поведение и номера портов, что усложняет обработку исключений.</a:t>
+              <a:t>Также игры и вредоносные программы имеют уникальное поведение и номера портов, что усложняет обработку исключений.</a:t>
             </a:r>
             <a:endParaRPr lang="ru-RU" sz="2600" dirty="0">
               <a:latin typeface="Times New Roman" panose="02020603050405020304" pitchFamily="18" charset="0"/>
@@ -7538,88 +7470,6 @@
           </a:p>
         </p:txBody>
       </p:sp>
-      <p:pic>
-        <p:nvPicPr>
-          <p:cNvPr id="2050" name="Picture 2" descr="D:\CSIT\CoursePaper4\img\warthunder.png"/>
-          <p:cNvPicPr>
-            <a:picLocks noChangeAspect="1" noChangeArrowheads="1"/>
-          </p:cNvPicPr>
-          <p:nvPr/>
-        </p:nvPicPr>
-        <p:blipFill>
-          <a:blip r:embed="rId2">
-            <a:extLst>
-              <a:ext uri="{28A0092B-C50C-407E-A947-70E740481C1C}">
-                <a14:useLocalDpi xmlns:a14="http://schemas.microsoft.com/office/drawing/2010/main" val="0"/>
-              </a:ext>
-            </a:extLst>
-          </a:blip>
-          <a:srcRect/>
-          <a:stretch>
-            <a:fillRect/>
-          </a:stretch>
-        </p:blipFill>
-        <p:spPr bwMode="auto">
-          <a:xfrm>
-            <a:off x="876489" y="3192650"/>
-            <a:ext cx="4385186" cy="3289484"/>
-          </a:xfrm>
-          <a:prstGeom prst="rect">
-            <a:avLst/>
-          </a:prstGeom>
-          <a:noFill/>
-          <a:extLst>
-            <a:ext uri="{909E8E84-426E-40DD-AFC4-6F175D3DCCD1}">
-              <a14:hiddenFill xmlns:a14="http://schemas.microsoft.com/office/drawing/2010/main">
-                <a:solidFill>
-                  <a:srgbClr val="FFFFFF"/>
-                </a:solidFill>
-              </a14:hiddenFill>
-            </a:ext>
-          </a:extLst>
-        </p:spPr>
-      </p:pic>
-      <p:pic>
-        <p:nvPicPr>
-          <p:cNvPr id="2051" name="Picture 3" descr="D:\CSIT\CoursePaper4\img\dota2.png"/>
-          <p:cNvPicPr>
-            <a:picLocks noChangeAspect="1" noChangeArrowheads="1"/>
-          </p:cNvPicPr>
-          <p:nvPr/>
-        </p:nvPicPr>
-        <p:blipFill>
-          <a:blip r:embed="rId3">
-            <a:extLst>
-              <a:ext uri="{28A0092B-C50C-407E-A947-70E740481C1C}">
-                <a14:useLocalDpi xmlns:a14="http://schemas.microsoft.com/office/drawing/2010/main" val="0"/>
-              </a:ext>
-            </a:extLst>
-          </a:blip>
-          <a:srcRect/>
-          <a:stretch>
-            <a:fillRect/>
-          </a:stretch>
-        </p:blipFill>
-        <p:spPr bwMode="auto">
-          <a:xfrm>
-            <a:off x="6999650" y="3192650"/>
-            <a:ext cx="4343856" cy="3258482"/>
-          </a:xfrm>
-          <a:prstGeom prst="rect">
-            <a:avLst/>
-          </a:prstGeom>
-          <a:noFill/>
-          <a:extLst>
-            <a:ext uri="{909E8E84-426E-40DD-AFC4-6F175D3DCCD1}">
-              <a14:hiddenFill xmlns:a14="http://schemas.microsoft.com/office/drawing/2010/main">
-                <a:solidFill>
-                  <a:srgbClr val="FFFFFF"/>
-                </a:solidFill>
-              </a14:hiddenFill>
-            </a:ext>
-          </a:extLst>
-        </p:spPr>
-      </p:pic>
     </p:spTree>
     <p:extLst>
       <p:ext uri="{BB962C8B-B14F-4D97-AF65-F5344CB8AC3E}">
@@ -7731,7 +7581,14 @@
                 <a:latin typeface="Times New Roman" panose="02020603050405020304" pitchFamily="18" charset="0"/>
                 <a:cs typeface="Times New Roman" panose="02020603050405020304" pitchFamily="18" charset="0"/>
               </a:rPr>
-              <a:t>Адреса могут быть отнесены к некоторому </a:t>
+              <a:t>Адреса </a:t>
+            </a:r>
+            <a:r>
+              <a:rPr lang="ru-RU" sz="2600" dirty="0" smtClean="0">
+                <a:latin typeface="Times New Roman" panose="02020603050405020304" pitchFamily="18" charset="0"/>
+                <a:cs typeface="Times New Roman" panose="02020603050405020304" pitchFamily="18" charset="0"/>
+              </a:rPr>
+              <a:t>могут быть отнесены к некоторому </a:t>
             </a:r>
             <a:r>
               <a:rPr lang="en-US" sz="2600" dirty="0" smtClean="0">
@@ -8095,7 +7952,7 @@
   <a:extraClrSchemeLst/>
   <a:extLst>
     <a:ext uri="{05A4C25C-085E-4340-85A3-A5531E510DB2}">
-      <thm15:themeFamily xmlns:thm15="http://schemas.microsoft.com/office/thememl/2012/main" xmlns="" name="Office Theme" id="{62F939B6-93AF-4DB8-9C6B-D6C7DFDC589F}" vid="{4A3C46E8-61CC-4603-A589-7422A47A8E4A}"/>
+      <thm15:themeFamily xmlns="" xmlns:thm15="http://schemas.microsoft.com/office/thememl/2012/main" name="Office Theme" id="{62F939B6-93AF-4DB8-9C6B-D6C7DFDC589F}" vid="{4A3C46E8-61CC-4603-A589-7422A47A8E4A}"/>
     </a:ext>
   </a:extLst>
 </a:theme>
